--- a/PPT/Unit 1/Unit I - Lecture 2.pptx
+++ b/PPT/Unit 1/Unit I - Lecture 2.pptx
@@ -5,7 +5,7 @@
     <p:sldMasterId id="2147483648" r:id="rId1"/>
   </p:sldMasterIdLst>
   <p:notesMasterIdLst>
-    <p:notesMasterId r:id="rId40"/>
+    <p:notesMasterId r:id="rId41"/>
   </p:notesMasterIdLst>
   <p:sldIdLst>
     <p:sldId id="256" r:id="rId2"/>
@@ -42,10 +42,11 @@
     <p:sldId id="285" r:id="rId33"/>
     <p:sldId id="274" r:id="rId34"/>
     <p:sldId id="275" r:id="rId35"/>
-    <p:sldId id="276" r:id="rId36"/>
-    <p:sldId id="277" r:id="rId37"/>
-    <p:sldId id="278" r:id="rId38"/>
-    <p:sldId id="279" r:id="rId39"/>
+    <p:sldId id="286" r:id="rId36"/>
+    <p:sldId id="276" r:id="rId37"/>
+    <p:sldId id="277" r:id="rId38"/>
+    <p:sldId id="278" r:id="rId39"/>
+    <p:sldId id="279" r:id="rId40"/>
   </p:sldIdLst>
   <p:sldSz cx="12192000" cy="6858000"/>
   <p:notesSz cx="6858000" cy="9144000"/>
@@ -234,7 +235,7 @@
           <a:p>
             <a:fld id="{DCB93C31-524F-4477-965A-F591C38112CD}" type="datetimeFigureOut">
               <a:rPr lang="en-IN" smtClean="0"/>
-              <a:t>05-08-2024</a:t>
+              <a:t>30-07-2024</a:t>
             </a:fld>
             <a:endParaRPr lang="en-IN"/>
           </a:p>
@@ -609,6 +610,93 @@
 </p:notes>
 </file>
 
+<file path=ppt/notesSlides/notesSlide10.xml><?xml version="1.0" encoding="utf-8"?>
+<p:notes xmlns:a="http://schemas.openxmlformats.org/drawingml/2006/main" xmlns:r="http://schemas.openxmlformats.org/officeDocument/2006/relationships" xmlns:p="http://schemas.openxmlformats.org/presentationml/2006/main">
+  <p:cSld>
+    <p:spTree>
+      <p:nvGrpSpPr>
+        <p:cNvPr id="1" name=""/>
+        <p:cNvGrpSpPr/>
+        <p:nvPr/>
+      </p:nvGrpSpPr>
+      <p:grpSpPr>
+        <a:xfrm>
+          <a:off x="0" y="0"/>
+          <a:ext cx="0" cy="0"/>
+          <a:chOff x="0" y="0"/>
+          <a:chExt cx="0" cy="0"/>
+        </a:xfrm>
+      </p:grpSpPr>
+      <p:sp>
+        <p:nvSpPr>
+          <p:cNvPr id="2" name="Slide Image Placeholder 1"/>
+          <p:cNvSpPr>
+            <a:spLocks noGrp="1" noRot="1" noChangeAspect="1"/>
+          </p:cNvSpPr>
+          <p:nvPr>
+            <p:ph type="sldImg"/>
+          </p:nvPr>
+        </p:nvSpPr>
+        <p:spPr/>
+      </p:sp>
+      <p:sp>
+        <p:nvSpPr>
+          <p:cNvPr id="3" name="Notes Placeholder 2"/>
+          <p:cNvSpPr>
+            <a:spLocks noGrp="1"/>
+          </p:cNvSpPr>
+          <p:nvPr>
+            <p:ph type="body" idx="1"/>
+          </p:nvPr>
+        </p:nvSpPr>
+        <p:spPr/>
+        <p:txBody>
+          <a:bodyPr/>
+          <a:lstStyle/>
+          <a:p>
+            <a:r>
+              <a:rPr lang="en-IN" dirty="0"/>
+              <a:t>https://www.geeksforgeeks.org/time-series-analysis-and-forecasting/#components-of-time-series-data</a:t>
+            </a:r>
+          </a:p>
+        </p:txBody>
+      </p:sp>
+      <p:sp>
+        <p:nvSpPr>
+          <p:cNvPr id="4" name="Slide Number Placeholder 3"/>
+          <p:cNvSpPr>
+            <a:spLocks noGrp="1"/>
+          </p:cNvSpPr>
+          <p:nvPr>
+            <p:ph type="sldNum" sz="quarter" idx="5"/>
+          </p:nvPr>
+        </p:nvSpPr>
+        <p:spPr/>
+        <p:txBody>
+          <a:bodyPr/>
+          <a:lstStyle/>
+          <a:p>
+            <a:fld id="{8F9D3BEC-A11D-4856-825E-E9F8C4F50897}" type="slidenum">
+              <a:rPr lang="en-IN" smtClean="0"/>
+              <a:t>39</a:t>
+            </a:fld>
+            <a:endParaRPr lang="en-IN"/>
+          </a:p>
+        </p:txBody>
+      </p:sp>
+    </p:spTree>
+    <p:extLst>
+      <p:ext uri="{BB962C8B-B14F-4D97-AF65-F5344CB8AC3E}">
+        <p14:creationId xmlns:p14="http://schemas.microsoft.com/office/powerpoint/2010/main" val="595462419"/>
+      </p:ext>
+    </p:extLst>
+  </p:cSld>
+  <p:clrMapOvr>
+    <a:masterClrMapping/>
+  </p:clrMapOvr>
+</p:notes>
+</file>
+
 <file path=ppt/notesSlides/notesSlide2.xml><?xml version="1.0" encoding="utf-8"?>
 <p:notes xmlns:a="http://schemas.openxmlformats.org/drawingml/2006/main" xmlns:r="http://schemas.openxmlformats.org/officeDocument/2006/relationships" xmlns:p="http://schemas.openxmlformats.org/presentationml/2006/main">
   <p:cSld>
@@ -1003,25 +1091,13 @@
           <a:p>
             <a:r>
               <a:rPr lang="en-US" dirty="0"/>
-              <a:t>https://unit8.com/resources/darts-time-series-made-easy-in-python/</a:t>
+              <a:t>https://www.kaggle.com/code/shashankasubrahmanya/missing-data-imputation-using-regression</a:t>
             </a:r>
           </a:p>
           <a:p>
             <a:r>
               <a:rPr lang="en-US" dirty="0"/>
-              <a:t>https://unit8co.github.io/darts/generated_api/darts.timeseries.html</a:t>
-            </a:r>
-          </a:p>
-          <a:p>
-            <a:r>
-              <a:rPr lang="en-US" dirty="0"/>
-              <a:t>https://www.kaggle.com/code/prashant111/complete-guide-on-time-series-analysis-in-python#Table-of-Contents</a:t>
-            </a:r>
-          </a:p>
-          <a:p>
-            <a:r>
-              <a:rPr lang="en-US" dirty="0"/>
-              <a:t>https://www.kaggle.com/code/ankumagawa/time-series-forecast-a-comprehensive-guide</a:t>
+              <a:t>https://www.kaggle.com/code/parulpandey/a-guide-to-handling-missing-values-in-python</a:t>
             </a:r>
           </a:p>
         </p:txBody>
@@ -1033,7 +1109,7 @@
             <a:spLocks noGrp="1"/>
           </p:cNvSpPr>
           <p:nvPr>
-            <p:ph type="sldNum" sz="quarter" idx="10"/>
+            <p:ph type="sldNum" sz="quarter" idx="5"/>
           </p:nvPr>
         </p:nvSpPr>
         <p:spPr/>
@@ -1052,7 +1128,7 @@
     </p:spTree>
     <p:extLst>
       <p:ext uri="{BB962C8B-B14F-4D97-AF65-F5344CB8AC3E}">
-        <p14:creationId xmlns:p14="http://schemas.microsoft.com/office/powerpoint/2010/main" val="2583403990"/>
+        <p14:creationId xmlns:p14="http://schemas.microsoft.com/office/powerpoint/2010/main" val="3984092272"/>
       </p:ext>
     </p:extLst>
   </p:cSld>
@@ -1107,8 +1183,26 @@
           <a:lstStyle/>
           <a:p>
             <a:r>
-              <a:rPr lang="en-IN" dirty="0"/>
-              <a:t>https://www.geeksforgeeks.org/time-series-analysis-and-forecasting/#components-of-time-series-data</a:t>
+              <a:rPr lang="en-US" dirty="0"/>
+              <a:t>https://unit8.com/resources/darts-time-series-made-easy-in-python/</a:t>
+            </a:r>
+          </a:p>
+          <a:p>
+            <a:r>
+              <a:rPr lang="en-US" dirty="0"/>
+              <a:t>https://unit8co.github.io/darts/generated_api/darts.timeseries.html</a:t>
+            </a:r>
+          </a:p>
+          <a:p>
+            <a:r>
+              <a:rPr lang="en-US" dirty="0"/>
+              <a:t>https://www.kaggle.com/code/prashant111/complete-guide-on-time-series-analysis-in-python#Table-of-Contents</a:t>
+            </a:r>
+          </a:p>
+          <a:p>
+            <a:r>
+              <a:rPr lang="en-US" dirty="0"/>
+              <a:t>https://www.kaggle.com/code/ankumagawa/time-series-forecast-a-comprehensive-guide</a:t>
             </a:r>
           </a:p>
         </p:txBody>
@@ -1120,7 +1214,7 @@
             <a:spLocks noGrp="1"/>
           </p:cNvSpPr>
           <p:nvPr>
-            <p:ph type="sldNum" sz="quarter" idx="5"/>
+            <p:ph type="sldNum" sz="quarter" idx="10"/>
           </p:nvPr>
         </p:nvSpPr>
         <p:spPr/>
@@ -1139,7 +1233,7 @@
     </p:spTree>
     <p:extLst>
       <p:ext uri="{BB962C8B-B14F-4D97-AF65-F5344CB8AC3E}">
-        <p14:creationId xmlns:p14="http://schemas.microsoft.com/office/powerpoint/2010/main" val="938963198"/>
+        <p14:creationId xmlns:p14="http://schemas.microsoft.com/office/powerpoint/2010/main" val="2583403990"/>
       </p:ext>
     </p:extLst>
   </p:cSld>
@@ -1226,7 +1320,7 @@
     </p:spTree>
     <p:extLst>
       <p:ext uri="{BB962C8B-B14F-4D97-AF65-F5344CB8AC3E}">
-        <p14:creationId xmlns:p14="http://schemas.microsoft.com/office/powerpoint/2010/main" val="1796788307"/>
+        <p14:creationId xmlns:p14="http://schemas.microsoft.com/office/powerpoint/2010/main" val="938963198"/>
       </p:ext>
     </p:extLst>
   </p:cSld>
@@ -1313,7 +1407,7 @@
     </p:spTree>
     <p:extLst>
       <p:ext uri="{BB962C8B-B14F-4D97-AF65-F5344CB8AC3E}">
-        <p14:creationId xmlns:p14="http://schemas.microsoft.com/office/powerpoint/2010/main" val="595462419"/>
+        <p14:creationId xmlns:p14="http://schemas.microsoft.com/office/powerpoint/2010/main" val="1796788307"/>
       </p:ext>
     </p:extLst>
   </p:cSld>
@@ -1472,7 +1566,7 @@
           <a:p>
             <a:fld id="{F4E72590-7727-404C-9251-9E6E0DBAFAE0}" type="datetimeFigureOut">
               <a:rPr lang="en-IN" smtClean="0"/>
-              <a:t>05-08-2024</a:t>
+              <a:t>30-07-2024</a:t>
             </a:fld>
             <a:endParaRPr lang="en-IN"/>
           </a:p>
@@ -1672,7 +1766,7 @@
           <a:p>
             <a:fld id="{F4E72590-7727-404C-9251-9E6E0DBAFAE0}" type="datetimeFigureOut">
               <a:rPr lang="en-IN" smtClean="0"/>
-              <a:t>05-08-2024</a:t>
+              <a:t>30-07-2024</a:t>
             </a:fld>
             <a:endParaRPr lang="en-IN"/>
           </a:p>
@@ -1882,7 +1976,7 @@
           <a:p>
             <a:fld id="{F4E72590-7727-404C-9251-9E6E0DBAFAE0}" type="datetimeFigureOut">
               <a:rPr lang="en-IN" smtClean="0"/>
-              <a:t>05-08-2024</a:t>
+              <a:t>30-07-2024</a:t>
             </a:fld>
             <a:endParaRPr lang="en-IN"/>
           </a:p>
@@ -2082,7 +2176,7 @@
           <a:p>
             <a:fld id="{F4E72590-7727-404C-9251-9E6E0DBAFAE0}" type="datetimeFigureOut">
               <a:rPr lang="en-IN" smtClean="0"/>
-              <a:t>05-08-2024</a:t>
+              <a:t>30-07-2024</a:t>
             </a:fld>
             <a:endParaRPr lang="en-IN"/>
           </a:p>
@@ -2358,7 +2452,7 @@
           <a:p>
             <a:fld id="{F4E72590-7727-404C-9251-9E6E0DBAFAE0}" type="datetimeFigureOut">
               <a:rPr lang="en-IN" smtClean="0"/>
-              <a:t>05-08-2024</a:t>
+              <a:t>30-07-2024</a:t>
             </a:fld>
             <a:endParaRPr lang="en-IN"/>
           </a:p>
@@ -2626,7 +2720,7 @@
           <a:p>
             <a:fld id="{F4E72590-7727-404C-9251-9E6E0DBAFAE0}" type="datetimeFigureOut">
               <a:rPr lang="en-IN" smtClean="0"/>
-              <a:t>05-08-2024</a:t>
+              <a:t>30-07-2024</a:t>
             </a:fld>
             <a:endParaRPr lang="en-IN"/>
           </a:p>
@@ -3041,7 +3135,7 @@
           <a:p>
             <a:fld id="{F4E72590-7727-404C-9251-9E6E0DBAFAE0}" type="datetimeFigureOut">
               <a:rPr lang="en-IN" smtClean="0"/>
-              <a:t>05-08-2024</a:t>
+              <a:t>30-07-2024</a:t>
             </a:fld>
             <a:endParaRPr lang="en-IN"/>
           </a:p>
@@ -3183,7 +3277,7 @@
           <a:p>
             <a:fld id="{F4E72590-7727-404C-9251-9E6E0DBAFAE0}" type="datetimeFigureOut">
               <a:rPr lang="en-IN" smtClean="0"/>
-              <a:t>05-08-2024</a:t>
+              <a:t>30-07-2024</a:t>
             </a:fld>
             <a:endParaRPr lang="en-IN"/>
           </a:p>
@@ -3296,7 +3390,7 @@
           <a:p>
             <a:fld id="{F4E72590-7727-404C-9251-9E6E0DBAFAE0}" type="datetimeFigureOut">
               <a:rPr lang="en-IN" smtClean="0"/>
-              <a:t>05-08-2024</a:t>
+              <a:t>30-07-2024</a:t>
             </a:fld>
             <a:endParaRPr lang="en-IN"/>
           </a:p>
@@ -3609,7 +3703,7 @@
           <a:p>
             <a:fld id="{F4E72590-7727-404C-9251-9E6E0DBAFAE0}" type="datetimeFigureOut">
               <a:rPr lang="en-IN" smtClean="0"/>
-              <a:t>05-08-2024</a:t>
+              <a:t>30-07-2024</a:t>
             </a:fld>
             <a:endParaRPr lang="en-IN"/>
           </a:p>
@@ -3898,7 +3992,7 @@
           <a:p>
             <a:fld id="{F4E72590-7727-404C-9251-9E6E0DBAFAE0}" type="datetimeFigureOut">
               <a:rPr lang="en-IN" smtClean="0"/>
-              <a:t>05-08-2024</a:t>
+              <a:t>30-07-2024</a:t>
             </a:fld>
             <a:endParaRPr lang="en-IN"/>
           </a:p>
@@ -4141,7 +4235,7 @@
           <a:p>
             <a:fld id="{F4E72590-7727-404C-9251-9E6E0DBAFAE0}" type="datetimeFigureOut">
               <a:rPr lang="en-IN" smtClean="0"/>
-              <a:t>05-08-2024</a:t>
+              <a:t>30-07-2024</a:t>
             </a:fld>
             <a:endParaRPr lang="en-IN"/>
           </a:p>
@@ -9691,6 +9785,86 @@
       </p:grpSpPr>
       <p:sp>
         <p:nvSpPr>
+          <p:cNvPr id="2" name="Title 1">
+            <a:extLst>
+              <a:ext uri="{FF2B5EF4-FFF2-40B4-BE49-F238E27FC236}">
+                <a16:creationId xmlns:a16="http://schemas.microsoft.com/office/drawing/2014/main" id="{960F34C0-4379-4FA8-7F0C-930A59503B93}"/>
+              </a:ext>
+            </a:extLst>
+          </p:cNvPr>
+          <p:cNvSpPr>
+            <a:spLocks noGrp="1"/>
+          </p:cNvSpPr>
+          <p:nvPr>
+            <p:ph type="title"/>
+          </p:nvPr>
+        </p:nvSpPr>
+        <p:spPr/>
+        <p:txBody>
+          <a:bodyPr/>
+          <a:lstStyle/>
+          <a:p>
+            <a:endParaRPr lang="en-US"/>
+          </a:p>
+        </p:txBody>
+      </p:sp>
+      <p:sp>
+        <p:nvSpPr>
+          <p:cNvPr id="3" name="Content Placeholder 2">
+            <a:extLst>
+              <a:ext uri="{FF2B5EF4-FFF2-40B4-BE49-F238E27FC236}">
+                <a16:creationId xmlns:a16="http://schemas.microsoft.com/office/drawing/2014/main" id="{906D7CCE-4920-3184-C140-18B269EE6A56}"/>
+              </a:ext>
+            </a:extLst>
+          </p:cNvPr>
+          <p:cNvSpPr>
+            <a:spLocks noGrp="1"/>
+          </p:cNvSpPr>
+          <p:nvPr>
+            <p:ph idx="1"/>
+          </p:nvPr>
+        </p:nvSpPr>
+        <p:spPr/>
+        <p:txBody>
+          <a:bodyPr/>
+          <a:lstStyle/>
+          <a:p>
+            <a:endParaRPr lang="en-US" dirty="0"/>
+          </a:p>
+        </p:txBody>
+      </p:sp>
+    </p:spTree>
+    <p:extLst>
+      <p:ext uri="{BB962C8B-B14F-4D97-AF65-F5344CB8AC3E}">
+        <p14:creationId xmlns:p14="http://schemas.microsoft.com/office/powerpoint/2010/main" val="3055463007"/>
+      </p:ext>
+    </p:extLst>
+  </p:cSld>
+  <p:clrMapOvr>
+    <a:masterClrMapping/>
+  </p:clrMapOvr>
+</p:sld>
+</file>
+
+<file path=ppt/slides/slide36.xml><?xml version="1.0" encoding="utf-8"?>
+<p:sld xmlns:a="http://schemas.openxmlformats.org/drawingml/2006/main" xmlns:r="http://schemas.openxmlformats.org/officeDocument/2006/relationships" xmlns:p="http://schemas.openxmlformats.org/presentationml/2006/main">
+  <p:cSld>
+    <p:spTree>
+      <p:nvGrpSpPr>
+        <p:cNvPr id="1" name=""/>
+        <p:cNvGrpSpPr/>
+        <p:nvPr/>
+      </p:nvGrpSpPr>
+      <p:grpSpPr>
+        <a:xfrm>
+          <a:off x="0" y="0"/>
+          <a:ext cx="0" cy="0"/>
+          <a:chOff x="0" y="0"/>
+          <a:chExt cx="0" cy="0"/>
+        </a:xfrm>
+      </p:grpSpPr>
+      <p:sp>
+        <p:nvSpPr>
           <p:cNvPr id="2" name="Title 1"/>
           <p:cNvSpPr>
             <a:spLocks noGrp="1"/>
@@ -9793,7 +9967,7 @@
 </p:sld>
 </file>
 
-<file path=ppt/slides/slide36.xml><?xml version="1.0" encoding="utf-8"?>
+<file path=ppt/slides/slide37.xml><?xml version="1.0" encoding="utf-8"?>
 <p:sld xmlns:a="http://schemas.openxmlformats.org/drawingml/2006/main" xmlns:r="http://schemas.openxmlformats.org/officeDocument/2006/relationships" xmlns:p="http://schemas.openxmlformats.org/presentationml/2006/main">
   <p:cSld>
     <p:spTree>
@@ -12246,7 +12420,7 @@
 </p:sld>
 </file>
 
-<file path=ppt/slides/slide37.xml><?xml version="1.0" encoding="utf-8"?>
+<file path=ppt/slides/slide38.xml><?xml version="1.0" encoding="utf-8"?>
 <p:sld xmlns:a="http://schemas.openxmlformats.org/drawingml/2006/main" xmlns:r="http://schemas.openxmlformats.org/officeDocument/2006/relationships" xmlns:p="http://schemas.openxmlformats.org/presentationml/2006/main">
   <p:cSld>
     <p:spTree>
@@ -14601,7 +14775,7 @@
 </p:sld>
 </file>
 
-<file path=ppt/slides/slide38.xml><?xml version="1.0" encoding="utf-8"?>
+<file path=ppt/slides/slide39.xml><?xml version="1.0" encoding="utf-8"?>
 <p:sld xmlns:a="http://schemas.openxmlformats.org/drawingml/2006/main" xmlns:r="http://schemas.openxmlformats.org/officeDocument/2006/relationships" xmlns:p="http://schemas.openxmlformats.org/presentationml/2006/main">
   <p:cSld>
     <p:spTree>
